--- a/images/NTIER1.pptx
+++ b/images/NTIER1.pptx
@@ -288,7 +288,7 @@
           <a:p>
             <a:fld id="{32E713AD-6BA2-1D4C-8CE5-7084BF0E116B}" type="datetimeFigureOut">
               <a:rPr lang="en-US" smtClean="0"/>
-              <a:t>04/09/2015</a:t>
+              <a:t>07/09/2015</a:t>
             </a:fld>
             <a:endParaRPr lang="en-US"/>
           </a:p>
@@ -458,7 +458,7 @@
           <a:p>
             <a:fld id="{32E713AD-6BA2-1D4C-8CE5-7084BF0E116B}" type="datetimeFigureOut">
               <a:rPr lang="en-US" smtClean="0"/>
-              <a:t>04/09/2015</a:t>
+              <a:t>07/09/2015</a:t>
             </a:fld>
             <a:endParaRPr lang="en-US"/>
           </a:p>
@@ -638,7 +638,7 @@
           <a:p>
             <a:fld id="{32E713AD-6BA2-1D4C-8CE5-7084BF0E116B}" type="datetimeFigureOut">
               <a:rPr lang="en-US" smtClean="0"/>
-              <a:t>04/09/2015</a:t>
+              <a:t>07/09/2015</a:t>
             </a:fld>
             <a:endParaRPr lang="en-US"/>
           </a:p>
@@ -808,7 +808,7 @@
           <a:p>
             <a:fld id="{32E713AD-6BA2-1D4C-8CE5-7084BF0E116B}" type="datetimeFigureOut">
               <a:rPr lang="en-US" smtClean="0"/>
-              <a:t>04/09/2015</a:t>
+              <a:t>07/09/2015</a:t>
             </a:fld>
             <a:endParaRPr lang="en-US"/>
           </a:p>
@@ -1054,7 +1054,7 @@
           <a:p>
             <a:fld id="{32E713AD-6BA2-1D4C-8CE5-7084BF0E116B}" type="datetimeFigureOut">
               <a:rPr lang="en-US" smtClean="0"/>
-              <a:t>04/09/2015</a:t>
+              <a:t>07/09/2015</a:t>
             </a:fld>
             <a:endParaRPr lang="en-US"/>
           </a:p>
@@ -1342,7 +1342,7 @@
           <a:p>
             <a:fld id="{32E713AD-6BA2-1D4C-8CE5-7084BF0E116B}" type="datetimeFigureOut">
               <a:rPr lang="en-US" smtClean="0"/>
-              <a:t>04/09/2015</a:t>
+              <a:t>07/09/2015</a:t>
             </a:fld>
             <a:endParaRPr lang="en-US"/>
           </a:p>
@@ -1769,7 +1769,7 @@
           <a:p>
             <a:fld id="{32E713AD-6BA2-1D4C-8CE5-7084BF0E116B}" type="datetimeFigureOut">
               <a:rPr lang="en-US" smtClean="0"/>
-              <a:t>04/09/2015</a:t>
+              <a:t>07/09/2015</a:t>
             </a:fld>
             <a:endParaRPr lang="en-US"/>
           </a:p>
@@ -1887,7 +1887,7 @@
           <a:p>
             <a:fld id="{32E713AD-6BA2-1D4C-8CE5-7084BF0E116B}" type="datetimeFigureOut">
               <a:rPr lang="en-US" smtClean="0"/>
-              <a:t>04/09/2015</a:t>
+              <a:t>07/09/2015</a:t>
             </a:fld>
             <a:endParaRPr lang="en-US"/>
           </a:p>
@@ -1982,7 +1982,7 @@
           <a:p>
             <a:fld id="{32E713AD-6BA2-1D4C-8CE5-7084BF0E116B}" type="datetimeFigureOut">
               <a:rPr lang="en-US" smtClean="0"/>
-              <a:t>04/09/2015</a:t>
+              <a:t>07/09/2015</a:t>
             </a:fld>
             <a:endParaRPr lang="en-US"/>
           </a:p>
@@ -2259,7 +2259,7 @@
           <a:p>
             <a:fld id="{32E713AD-6BA2-1D4C-8CE5-7084BF0E116B}" type="datetimeFigureOut">
               <a:rPr lang="en-US" smtClean="0"/>
-              <a:t>04/09/2015</a:t>
+              <a:t>07/09/2015</a:t>
             </a:fld>
             <a:endParaRPr lang="en-US"/>
           </a:p>
@@ -2512,7 +2512,7 @@
           <a:p>
             <a:fld id="{32E713AD-6BA2-1D4C-8CE5-7084BF0E116B}" type="datetimeFigureOut">
               <a:rPr lang="en-US" smtClean="0"/>
-              <a:t>04/09/2015</a:t>
+              <a:t>07/09/2015</a:t>
             </a:fld>
             <a:endParaRPr lang="en-US"/>
           </a:p>
@@ -2725,7 +2725,7 @@
           <a:p>
             <a:fld id="{32E713AD-6BA2-1D4C-8CE5-7084BF0E116B}" type="datetimeFigureOut">
               <a:rPr lang="en-US" smtClean="0"/>
-              <a:t>04/09/2015</a:t>
+              <a:t>07/09/2015</a:t>
             </a:fld>
             <a:endParaRPr lang="en-US"/>
           </a:p>
@@ -3100,6 +3100,30 @@
           <a:chExt cx="0" cy="0"/>
         </a:xfrm>
       </p:grpSpPr>
+      <p:pic>
+        <p:nvPicPr>
+          <p:cNvPr id="27" name="Picture 26"/>
+          <p:cNvPicPr>
+            <a:picLocks noChangeAspect="1"/>
+          </p:cNvPicPr>
+          <p:nvPr/>
+        </p:nvPicPr>
+        <p:blipFill>
+          <a:blip r:embed="rId2"/>
+          <a:stretch>
+            <a:fillRect/>
+          </a:stretch>
+        </p:blipFill>
+        <p:spPr>
+          <a:xfrm>
+            <a:off x="500263" y="5149165"/>
+            <a:ext cx="1128241" cy="718614"/>
+          </a:xfrm>
+          <a:prstGeom prst="rect">
+            <a:avLst/>
+          </a:prstGeom>
+        </p:spPr>
+      </p:pic>
       <p:sp>
         <p:nvSpPr>
           <p:cNvPr id="4" name="Rectangle 3"/>
@@ -3420,7 +3444,7 @@
             <p:nvPr/>
           </p:nvPicPr>
           <p:blipFill>
-            <a:blip r:embed="rId2"/>
+            <a:blip r:embed="rId3"/>
             <a:stretch>
               <a:fillRect/>
             </a:stretch>
@@ -3444,7 +3468,7 @@
             <p:nvPr/>
           </p:nvPicPr>
           <p:blipFill rotWithShape="1">
-            <a:blip r:embed="rId3">
+            <a:blip r:embed="rId4">
               <a:extLst>
                 <a:ext uri="{28A0092B-C50C-407E-A947-70E740481C1C}">
                   <a14:useLocalDpi xmlns:a14="http://schemas.microsoft.com/office/drawing/2010/main" val="0"/>
@@ -3488,7 +3512,7 @@
             <p:nvPr/>
           </p:nvPicPr>
           <p:blipFill>
-            <a:blip r:embed="rId2"/>
+            <a:blip r:embed="rId3"/>
             <a:stretch>
               <a:fillRect/>
             </a:stretch>
@@ -3512,7 +3536,7 @@
             <p:nvPr/>
           </p:nvPicPr>
           <p:blipFill rotWithShape="1">
-            <a:blip r:embed="rId3">
+            <a:blip r:embed="rId4">
               <a:extLst>
                 <a:ext uri="{28A0092B-C50C-407E-A947-70E740481C1C}">
                   <a14:useLocalDpi xmlns:a14="http://schemas.microsoft.com/office/drawing/2010/main" val="0"/>
@@ -3542,94 +3566,6 @@
           <p:nvPr/>
         </p:nvPicPr>
         <p:blipFill>
-          <a:blip r:embed="rId4"/>
-          <a:stretch>
-            <a:fillRect/>
-          </a:stretch>
-        </p:blipFill>
-        <p:spPr>
-          <a:xfrm>
-            <a:off x="3219643" y="4310227"/>
-            <a:ext cx="712686" cy="728345"/>
-          </a:xfrm>
-          <a:prstGeom prst="rect">
-            <a:avLst/>
-          </a:prstGeom>
-        </p:spPr>
-      </p:pic>
-      <p:sp>
-        <p:nvSpPr>
-          <p:cNvPr id="25" name="TextBox 24"/>
-          <p:cNvSpPr txBox="1"/>
-          <p:nvPr/>
-        </p:nvSpPr>
-        <p:spPr>
-          <a:xfrm>
-            <a:off x="1773829" y="4796433"/>
-            <a:ext cx="1395013" cy="230832"/>
-          </a:xfrm>
-          <a:prstGeom prst="rect">
-            <a:avLst/>
-          </a:prstGeom>
-          <a:noFill/>
-        </p:spPr>
-        <p:txBody>
-          <a:bodyPr wrap="square" rtlCol="0">
-            <a:spAutoFit/>
-          </a:bodyPr>
-          <a:lstStyle/>
-          <a:p>
-            <a:r>
-              <a:rPr lang="en-US" sz="900" dirty="0"/>
-              <a:t>n</a:t>
-            </a:r>
-            <a:r>
-              <a:rPr lang="en-US" sz="900" dirty="0" smtClean="0"/>
-              <a:t>ginx web server</a:t>
-            </a:r>
-            <a:endParaRPr lang="en-US" sz="900" dirty="0"/>
-          </a:p>
-        </p:txBody>
-      </p:sp>
-      <p:sp>
-        <p:nvSpPr>
-          <p:cNvPr id="26" name="TextBox 25"/>
-          <p:cNvSpPr txBox="1"/>
-          <p:nvPr/>
-        </p:nvSpPr>
-        <p:spPr>
-          <a:xfrm>
-            <a:off x="4186919" y="4790184"/>
-            <a:ext cx="1395013" cy="230832"/>
-          </a:xfrm>
-          <a:prstGeom prst="rect">
-            <a:avLst/>
-          </a:prstGeom>
-          <a:noFill/>
-        </p:spPr>
-        <p:txBody>
-          <a:bodyPr wrap="square" rtlCol="0">
-            <a:spAutoFit/>
-          </a:bodyPr>
-          <a:lstStyle/>
-          <a:p>
-            <a:r>
-              <a:rPr lang="en-US" sz="900" dirty="0" smtClean="0"/>
-              <a:t>Digitalocean.com</a:t>
-            </a:r>
-            <a:endParaRPr lang="en-US" sz="900" dirty="0"/>
-          </a:p>
-        </p:txBody>
-      </p:sp>
-      <p:pic>
-        <p:nvPicPr>
-          <p:cNvPr id="27" name="Picture 26"/>
-          <p:cNvPicPr>
-            <a:picLocks noChangeAspect="1"/>
-          </p:cNvPicPr>
-          <p:nvPr/>
-        </p:nvPicPr>
-        <p:blipFill>
           <a:blip r:embed="rId5"/>
           <a:stretch>
             <a:fillRect/>
@@ -3637,14 +3573,78 @@
         </p:blipFill>
         <p:spPr>
           <a:xfrm>
-            <a:off x="2802678" y="5923800"/>
-            <a:ext cx="590781" cy="376288"/>
+            <a:off x="3219643" y="4310227"/>
+            <a:ext cx="712686" cy="728345"/>
           </a:xfrm>
           <a:prstGeom prst="rect">
             <a:avLst/>
           </a:prstGeom>
         </p:spPr>
       </p:pic>
+      <p:sp>
+        <p:nvSpPr>
+          <p:cNvPr id="25" name="TextBox 24"/>
+          <p:cNvSpPr txBox="1"/>
+          <p:nvPr/>
+        </p:nvSpPr>
+        <p:spPr>
+          <a:xfrm>
+            <a:off x="1773829" y="4796433"/>
+            <a:ext cx="1395013" cy="230832"/>
+          </a:xfrm>
+          <a:prstGeom prst="rect">
+            <a:avLst/>
+          </a:prstGeom>
+          <a:noFill/>
+        </p:spPr>
+        <p:txBody>
+          <a:bodyPr wrap="square" rtlCol="0">
+            <a:spAutoFit/>
+          </a:bodyPr>
+          <a:lstStyle/>
+          <a:p>
+            <a:r>
+              <a:rPr lang="en-US" sz="900" dirty="0"/>
+              <a:t>n</a:t>
+            </a:r>
+            <a:r>
+              <a:rPr lang="en-US" sz="900" dirty="0" smtClean="0"/>
+              <a:t>ginx web server</a:t>
+            </a:r>
+            <a:endParaRPr lang="en-US" sz="900" dirty="0"/>
+          </a:p>
+        </p:txBody>
+      </p:sp>
+      <p:sp>
+        <p:nvSpPr>
+          <p:cNvPr id="26" name="TextBox 25"/>
+          <p:cNvSpPr txBox="1"/>
+          <p:nvPr/>
+        </p:nvSpPr>
+        <p:spPr>
+          <a:xfrm>
+            <a:off x="4186919" y="4790184"/>
+            <a:ext cx="1395013" cy="230832"/>
+          </a:xfrm>
+          <a:prstGeom prst="rect">
+            <a:avLst/>
+          </a:prstGeom>
+          <a:noFill/>
+        </p:spPr>
+        <p:txBody>
+          <a:bodyPr wrap="square" rtlCol="0">
+            <a:spAutoFit/>
+          </a:bodyPr>
+          <a:lstStyle/>
+          <a:p>
+            <a:r>
+              <a:rPr lang="en-US" sz="900" dirty="0" smtClean="0"/>
+              <a:t>Digitalocean.com</a:t>
+            </a:r>
+            <a:endParaRPr lang="en-US" sz="900" dirty="0"/>
+          </a:p>
+        </p:txBody>
+      </p:sp>
       <p:sp>
         <p:nvSpPr>
           <p:cNvPr id="29" name="Can 28"/>
@@ -4039,56 +4039,6 @@
       </p:sp>
       <p:sp>
         <p:nvSpPr>
-          <p:cNvPr id="42" name="TextBox 41"/>
-          <p:cNvSpPr txBox="1"/>
-          <p:nvPr/>
-        </p:nvSpPr>
-        <p:spPr>
-          <a:xfrm>
-            <a:off x="2747715" y="6608755"/>
-            <a:ext cx="1770055" cy="430887"/>
-          </a:xfrm>
-          <a:prstGeom prst="rect">
-            <a:avLst/>
-          </a:prstGeom>
-          <a:noFill/>
-        </p:spPr>
-        <p:txBody>
-          <a:bodyPr wrap="none" rtlCol="0">
-            <a:spAutoFit/>
-          </a:bodyPr>
-          <a:lstStyle/>
-          <a:p>
-            <a:pPr algn="ctr"/>
-            <a:r>
-              <a:rPr lang="en-US" sz="1100" dirty="0" smtClean="0">
-                <a:solidFill>
-                  <a:srgbClr val="FF0000"/>
-                </a:solidFill>
-              </a:rPr>
-              <a:t>Search Results Retrieved </a:t>
-            </a:r>
-          </a:p>
-          <a:p>
-            <a:pPr algn="ctr"/>
-            <a:r>
-              <a:rPr lang="en-US" sz="1100" dirty="0" smtClean="0">
-                <a:solidFill>
-                  <a:srgbClr val="FF0000"/>
-                </a:solidFill>
-              </a:rPr>
-              <a:t>from Custom Search Engine</a:t>
-            </a:r>
-            <a:endParaRPr lang="en-US" sz="1100" dirty="0">
-              <a:solidFill>
-                <a:srgbClr val="FF0000"/>
-              </a:solidFill>
-            </a:endParaRPr>
-          </a:p>
-        </p:txBody>
-      </p:sp>
-      <p:sp>
-        <p:nvSpPr>
           <p:cNvPr id="43" name="TextBox 42"/>
           <p:cNvSpPr txBox="1"/>
           <p:nvPr/>
@@ -4148,6 +4098,168 @@
         </p:nvSpPr>
         <p:spPr>
           <a:xfrm>
+            <a:off x="-23485" y="4514604"/>
+            <a:ext cx="1447870" cy="1277273"/>
+          </a:xfrm>
+          <a:prstGeom prst="rect">
+            <a:avLst/>
+          </a:prstGeom>
+          <a:noFill/>
+        </p:spPr>
+        <p:txBody>
+          <a:bodyPr wrap="square" rtlCol="0">
+            <a:spAutoFit/>
+          </a:bodyPr>
+          <a:lstStyle/>
+          <a:p>
+            <a:r>
+              <a:rPr lang="en-US" sz="1100" dirty="0" smtClean="0">
+                <a:solidFill>
+                  <a:srgbClr val="FF0000"/>
+                </a:solidFill>
+              </a:rPr>
+              <a:t>Search results retrieved</a:t>
+            </a:r>
+          </a:p>
+          <a:p>
+            <a:r>
+              <a:rPr lang="en-US" sz="1100" dirty="0">
+                <a:solidFill>
+                  <a:srgbClr val="FF0000"/>
+                </a:solidFill>
+              </a:rPr>
+              <a:t>f</a:t>
+            </a:r>
+            <a:r>
+              <a:rPr lang="en-US" sz="1100" dirty="0" smtClean="0">
+                <a:solidFill>
+                  <a:srgbClr val="FF0000"/>
+                </a:solidFill>
+              </a:rPr>
+              <a:t>rom Google API and </a:t>
+            </a:r>
+            <a:br>
+              <a:rPr lang="en-US" sz="1100" dirty="0" smtClean="0">
+                <a:solidFill>
+                  <a:srgbClr val="FF0000"/>
+                </a:solidFill>
+              </a:rPr>
+            </a:br>
+            <a:r>
+              <a:rPr lang="en-US" sz="1100" dirty="0" smtClean="0">
+                <a:solidFill>
+                  <a:srgbClr val="FF0000"/>
+                </a:solidFill>
+              </a:rPr>
+              <a:t>sent back to logic tier</a:t>
+            </a:r>
+            <a:br>
+              <a:rPr lang="en-US" sz="1100" dirty="0" smtClean="0">
+                <a:solidFill>
+                  <a:srgbClr val="FF0000"/>
+                </a:solidFill>
+              </a:rPr>
+            </a:br>
+            <a:r>
+              <a:rPr lang="en-US" sz="1100" dirty="0" smtClean="0">
+                <a:solidFill>
+                  <a:srgbClr val="FF0000"/>
+                </a:solidFill>
+              </a:rPr>
+              <a:t>for processing (external to Jellibeans)</a:t>
+            </a:r>
+            <a:endParaRPr lang="en-US" sz="1100" dirty="0">
+              <a:solidFill>
+                <a:srgbClr val="FF0000"/>
+              </a:solidFill>
+            </a:endParaRPr>
+          </a:p>
+        </p:txBody>
+      </p:sp>
+      <p:cxnSp>
+        <p:nvCxnSpPr>
+          <p:cNvPr id="3" name="Straight Arrow Connector 2"/>
+          <p:cNvCxnSpPr>
+            <a:stCxn id="25" idx="3"/>
+          </p:cNvCxnSpPr>
+          <p:nvPr/>
+        </p:nvCxnSpPr>
+        <p:spPr>
+          <a:xfrm flipH="1">
+            <a:off x="1210733" y="4911849"/>
+            <a:ext cx="1958109" cy="492458"/>
+          </a:xfrm>
+          <a:prstGeom prst="straightConnector1">
+            <a:avLst/>
+          </a:prstGeom>
+          <a:ln>
+            <a:solidFill>
+              <a:srgbClr val="FF0000"/>
+            </a:solidFill>
+            <a:prstDash val="dash"/>
+            <a:tailEnd type="arrow"/>
+          </a:ln>
+        </p:spPr>
+        <p:style>
+          <a:lnRef idx="2">
+            <a:schemeClr val="accent1"/>
+          </a:lnRef>
+          <a:fillRef idx="0">
+            <a:schemeClr val="accent1"/>
+          </a:fillRef>
+          <a:effectRef idx="1">
+            <a:schemeClr val="accent1"/>
+          </a:effectRef>
+          <a:fontRef idx="minor">
+            <a:schemeClr val="tx1"/>
+          </a:fontRef>
+        </p:style>
+      </p:cxnSp>
+      <p:cxnSp>
+        <p:nvCxnSpPr>
+          <p:cNvPr id="13" name="Straight Arrow Connector 12"/>
+          <p:cNvCxnSpPr/>
+          <p:nvPr/>
+        </p:nvCxnSpPr>
+        <p:spPr>
+          <a:xfrm flipV="1">
+            <a:off x="1304126" y="4995616"/>
+            <a:ext cx="1925133" cy="501756"/>
+          </a:xfrm>
+          <a:prstGeom prst="straightConnector1">
+            <a:avLst/>
+          </a:prstGeom>
+          <a:ln>
+            <a:solidFill>
+              <a:srgbClr val="FF0000"/>
+            </a:solidFill>
+            <a:prstDash val="dash"/>
+            <a:tailEnd type="arrow"/>
+          </a:ln>
+        </p:spPr>
+        <p:style>
+          <a:lnRef idx="2">
+            <a:schemeClr val="accent1"/>
+          </a:lnRef>
+          <a:fillRef idx="0">
+            <a:schemeClr val="accent1"/>
+          </a:fillRef>
+          <a:effectRef idx="1">
+            <a:schemeClr val="accent1"/>
+          </a:effectRef>
+          <a:fontRef idx="minor">
+            <a:schemeClr val="tx1"/>
+          </a:fontRef>
+        </p:style>
+      </p:cxnSp>
+      <p:sp>
+        <p:nvSpPr>
+          <p:cNvPr id="45" name="TextBox 44"/>
+          <p:cNvSpPr txBox="1"/>
+          <p:nvPr/>
+        </p:nvSpPr>
+        <p:spPr>
+          <a:xfrm>
             <a:off x="5133613" y="5892809"/>
             <a:ext cx="1426555" cy="769441"/>
           </a:xfrm>
@@ -4173,20 +4285,12 @@
           </a:p>
           <a:p>
             <a:r>
-              <a:rPr lang="en-US" sz="1100" dirty="0">
-                <a:solidFill>
-                  <a:srgbClr val="FF0000"/>
-                </a:solidFill>
-              </a:rPr>
-              <a:t>f</a:t>
-            </a:r>
-            <a:r>
               <a:rPr lang="en-US" sz="1100" dirty="0" smtClean="0">
                 <a:solidFill>
                   <a:srgbClr val="FF0000"/>
                 </a:solidFill>
               </a:rPr>
-              <a:t>rom Google API and </a:t>
+              <a:t>from Database and </a:t>
             </a:r>
             <a:br>
               <a:rPr lang="en-US" sz="1100" dirty="0" smtClean="0">
